--- a/M2_bemutato.pptx
+++ b/M2_bemutato.pptx
@@ -12,6 +12,12 @@
     <p:sldId id="260" r:id="rId6"/>
     <p:sldId id="263" r:id="rId7"/>
     <p:sldId id="262" r:id="rId8"/>
+    <p:sldId id="264" r:id="rId9"/>
+    <p:sldId id="269" r:id="rId10"/>
+    <p:sldId id="265" r:id="rId11"/>
+    <p:sldId id="266" r:id="rId12"/>
+    <p:sldId id="267" r:id="rId13"/>
+    <p:sldId id="268" r:id="rId14"/>
   </p:sldIdLst>
   <p:sldSz cx="12192000" cy="6858000"/>
   <p:notesSz cx="6858000" cy="9144000"/>
@@ -110,6 +116,11 @@
       </a:defRPr>
     </a:lvl9pPr>
   </p:defaultTextStyle>
+  <p:extLst>
+    <p:ext uri="{EFAFB233-063F-42B5-8137-9DF3F51BA10A}">
+      <p15:sldGuideLst xmlns:p15="http://schemas.microsoft.com/office/powerpoint/2012/main"/>
+    </p:ext>
+  </p:extLst>
 </p:presentation>
 </file>
 
@@ -1324,7 +1335,7 @@
           <a:p>
             <a:fld id="{9535C327-C259-4E90-BC81-780DD7A0B61E}" type="datetimeFigureOut">
               <a:rPr lang="hu-HU" smtClean="0"/>
-              <a:t>2021. 10. 18.</a:t>
+              <a:t>2021. 10. 20.</a:t>
             </a:fld>
             <a:endParaRPr lang="hu-HU"/>
           </a:p>
@@ -1562,7 +1573,7 @@
           <a:p>
             <a:fld id="{9535C327-C259-4E90-BC81-780DD7A0B61E}" type="datetimeFigureOut">
               <a:rPr lang="hu-HU" smtClean="0"/>
-              <a:t>2021. 10. 18.</a:t>
+              <a:t>2021. 10. 20.</a:t>
             </a:fld>
             <a:endParaRPr lang="hu-HU"/>
           </a:p>
@@ -1742,7 +1753,7 @@
           <a:p>
             <a:fld id="{9535C327-C259-4E90-BC81-780DD7A0B61E}" type="datetimeFigureOut">
               <a:rPr lang="hu-HU" smtClean="0"/>
-              <a:t>2021. 10. 18.</a:t>
+              <a:t>2021. 10. 20.</a:t>
             </a:fld>
             <a:endParaRPr lang="hu-HU"/>
           </a:p>
@@ -1912,7 +1923,7 @@
           <a:p>
             <a:fld id="{9535C327-C259-4E90-BC81-780DD7A0B61E}" type="datetimeFigureOut">
               <a:rPr lang="hu-HU" smtClean="0"/>
-              <a:t>2021. 10. 18.</a:t>
+              <a:t>2021. 10. 20.</a:t>
             </a:fld>
             <a:endParaRPr lang="hu-HU"/>
           </a:p>
@@ -2188,7 +2199,7 @@
           <a:p>
             <a:fld id="{9535C327-C259-4E90-BC81-780DD7A0B61E}" type="datetimeFigureOut">
               <a:rPr lang="hu-HU" smtClean="0"/>
-              <a:t>2021. 10. 18.</a:t>
+              <a:t>2021. 10. 20.</a:t>
             </a:fld>
             <a:endParaRPr lang="hu-HU"/>
           </a:p>
@@ -3389,7 +3400,7 @@
           <a:p>
             <a:fld id="{9535C327-C259-4E90-BC81-780DD7A0B61E}" type="datetimeFigureOut">
               <a:rPr lang="hu-HU" smtClean="0"/>
-              <a:t>2021. 10. 18.</a:t>
+              <a:t>2021. 10. 20.</a:t>
             </a:fld>
             <a:endParaRPr lang="hu-HU"/>
           </a:p>
@@ -3779,7 +3790,7 @@
           <a:p>
             <a:fld id="{9535C327-C259-4E90-BC81-780DD7A0B61E}" type="datetimeFigureOut">
               <a:rPr lang="hu-HU" smtClean="0"/>
-              <a:t>2021. 10. 18.</a:t>
+              <a:t>2021. 10. 20.</a:t>
             </a:fld>
             <a:endParaRPr lang="hu-HU"/>
           </a:p>
@@ -3902,7 +3913,7 @@
           <a:p>
             <a:fld id="{9535C327-C259-4E90-BC81-780DD7A0B61E}" type="datetimeFigureOut">
               <a:rPr lang="hu-HU" smtClean="0"/>
-              <a:t>2021. 10. 18.</a:t>
+              <a:t>2021. 10. 20.</a:t>
             </a:fld>
             <a:endParaRPr lang="hu-HU"/>
           </a:p>
@@ -3997,7 +4008,7 @@
           <a:p>
             <a:fld id="{9535C327-C259-4E90-BC81-780DD7A0B61E}" type="datetimeFigureOut">
               <a:rPr lang="hu-HU" smtClean="0"/>
-              <a:t>2021. 10. 18.</a:t>
+              <a:t>2021. 10. 20.</a:t>
             </a:fld>
             <a:endParaRPr lang="hu-HU"/>
           </a:p>
@@ -4760,7 +4771,7 @@
           <a:p>
             <a:fld id="{9535C327-C259-4E90-BC81-780DD7A0B61E}" type="datetimeFigureOut">
               <a:rPr lang="hu-HU" smtClean="0"/>
-              <a:t>2021. 10. 18.</a:t>
+              <a:t>2021. 10. 20.</a:t>
             </a:fld>
             <a:endParaRPr lang="hu-HU"/>
           </a:p>
@@ -5600,7 +5611,7 @@
           <a:p>
             <a:fld id="{9535C327-C259-4E90-BC81-780DD7A0B61E}" type="datetimeFigureOut">
               <a:rPr lang="hu-HU" smtClean="0"/>
-              <a:t>2021. 10. 18.</a:t>
+              <a:t>2021. 10. 20.</a:t>
             </a:fld>
             <a:endParaRPr lang="hu-HU"/>
           </a:p>
@@ -5827,7 +5838,7 @@
           <a:p>
             <a:fld id="{9535C327-C259-4E90-BC81-780DD7A0B61E}" type="datetimeFigureOut">
               <a:rPr lang="hu-HU" smtClean="0"/>
-              <a:t>2021. 10. 18.</a:t>
+              <a:t>2021. 10. 20.</a:t>
             </a:fld>
             <a:endParaRPr lang="hu-HU"/>
           </a:p>
@@ -6876,18 +6887,294 @@
   <p:clrMapOvr>
     <a:masterClrMapping/>
   </p:clrMapOvr>
-  <mc:AlternateContent xmlns:mc="http://schemas.openxmlformats.org/markup-compatibility/2006">
-    <mc:Choice xmlns:p14="http://schemas.microsoft.com/office/powerpoint/2010/main" Requires="p14">
+  <mc:AlternateContent xmlns:mc="http://schemas.openxmlformats.org/markup-compatibility/2006" xmlns:p14="http://schemas.microsoft.com/office/powerpoint/2010/main">
+    <mc:Choice Requires="p14">
       <p:transition spd="slow" p14:dur="3400">
         <p14:reveal/>
       </p:transition>
     </mc:Choice>
-    <mc:Fallback>
+    <mc:Fallback xmlns="">
       <p:transition spd="slow">
         <p:fade/>
       </p:transition>
     </mc:Fallback>
   </mc:AlternateContent>
+</p:sld>
+</file>
+
+<file path=ppt/slides/slide10.xml><?xml version="1.0" encoding="utf-8"?>
+<p:sld xmlns:a="http://schemas.openxmlformats.org/drawingml/2006/main" xmlns:r="http://schemas.openxmlformats.org/officeDocument/2006/relationships" xmlns:p="http://schemas.openxmlformats.org/presentationml/2006/main">
+  <p:cSld>
+    <p:spTree>
+      <p:nvGrpSpPr>
+        <p:cNvPr id="1" name=""/>
+        <p:cNvGrpSpPr/>
+        <p:nvPr/>
+      </p:nvGrpSpPr>
+      <p:grpSpPr>
+        <a:xfrm>
+          <a:off x="0" y="0"/>
+          <a:ext cx="0" cy="0"/>
+          <a:chOff x="0" y="0"/>
+          <a:chExt cx="0" cy="0"/>
+        </a:xfrm>
+      </p:grpSpPr>
+      <p:pic>
+        <p:nvPicPr>
+          <p:cNvPr id="3" name="Kép 2">
+            <a:extLst>
+              <a:ext uri="{FF2B5EF4-FFF2-40B4-BE49-F238E27FC236}">
+                <a16:creationId xmlns:a16="http://schemas.microsoft.com/office/drawing/2014/main" id="{61B38C2F-FE68-42F5-99C1-5D40135EDCCD}"/>
+              </a:ext>
+            </a:extLst>
+          </p:cNvPr>
+          <p:cNvPicPr>
+            <a:picLocks noChangeAspect="1"/>
+          </p:cNvPicPr>
+          <p:nvPr/>
+        </p:nvPicPr>
+        <p:blipFill>
+          <a:blip r:embed="rId2">
+            <a:extLst>
+              <a:ext uri="{28A0092B-C50C-407E-A947-70E740481C1C}">
+                <a14:useLocalDpi xmlns:a14="http://schemas.microsoft.com/office/drawing/2010/main" val="0"/>
+              </a:ext>
+            </a:extLst>
+          </a:blip>
+          <a:stretch>
+            <a:fillRect/>
+          </a:stretch>
+        </p:blipFill>
+        <p:spPr>
+          <a:xfrm>
+            <a:off x="2960" y="0"/>
+            <a:ext cx="12186080" cy="6858000"/>
+          </a:xfrm>
+          <a:prstGeom prst="rect">
+            <a:avLst/>
+          </a:prstGeom>
+        </p:spPr>
+      </p:pic>
+    </p:spTree>
+    <p:extLst>
+      <p:ext uri="{BB962C8B-B14F-4D97-AF65-F5344CB8AC3E}">
+        <p14:creationId xmlns:p14="http://schemas.microsoft.com/office/powerpoint/2010/main" val="1260049641"/>
+      </p:ext>
+    </p:extLst>
+  </p:cSld>
+  <p:clrMapOvr>
+    <a:masterClrMapping/>
+  </p:clrMapOvr>
+  <p:transition spd="med">
+    <p:pull/>
+  </p:transition>
+</p:sld>
+</file>
+
+<file path=ppt/slides/slide11.xml><?xml version="1.0" encoding="utf-8"?>
+<p:sld xmlns:a="http://schemas.openxmlformats.org/drawingml/2006/main" xmlns:r="http://schemas.openxmlformats.org/officeDocument/2006/relationships" xmlns:p="http://schemas.openxmlformats.org/presentationml/2006/main">
+  <p:cSld>
+    <p:spTree>
+      <p:nvGrpSpPr>
+        <p:cNvPr id="1" name=""/>
+        <p:cNvGrpSpPr/>
+        <p:nvPr/>
+      </p:nvGrpSpPr>
+      <p:grpSpPr>
+        <a:xfrm>
+          <a:off x="0" y="0"/>
+          <a:ext cx="0" cy="0"/>
+          <a:chOff x="0" y="0"/>
+          <a:chExt cx="0" cy="0"/>
+        </a:xfrm>
+      </p:grpSpPr>
+      <p:pic>
+        <p:nvPicPr>
+          <p:cNvPr id="3" name="Kép 2">
+            <a:extLst>
+              <a:ext uri="{FF2B5EF4-FFF2-40B4-BE49-F238E27FC236}">
+                <a16:creationId xmlns:a16="http://schemas.microsoft.com/office/drawing/2014/main" id="{A00DA1FE-DEFB-46B2-9A84-E23380C338CC}"/>
+              </a:ext>
+            </a:extLst>
+          </p:cNvPr>
+          <p:cNvPicPr>
+            <a:picLocks noChangeAspect="1"/>
+          </p:cNvPicPr>
+          <p:nvPr/>
+        </p:nvPicPr>
+        <p:blipFill>
+          <a:blip r:embed="rId2">
+            <a:extLst>
+              <a:ext uri="{28A0092B-C50C-407E-A947-70E740481C1C}">
+                <a14:useLocalDpi xmlns:a14="http://schemas.microsoft.com/office/drawing/2010/main" val="0"/>
+              </a:ext>
+            </a:extLst>
+          </a:blip>
+          <a:stretch>
+            <a:fillRect/>
+          </a:stretch>
+        </p:blipFill>
+        <p:spPr>
+          <a:xfrm>
+            <a:off x="2960" y="0"/>
+            <a:ext cx="12186080" cy="6858000"/>
+          </a:xfrm>
+          <a:prstGeom prst="rect">
+            <a:avLst/>
+          </a:prstGeom>
+        </p:spPr>
+      </p:pic>
+    </p:spTree>
+    <p:extLst>
+      <p:ext uri="{BB962C8B-B14F-4D97-AF65-F5344CB8AC3E}">
+        <p14:creationId xmlns:p14="http://schemas.microsoft.com/office/powerpoint/2010/main" val="2264519915"/>
+      </p:ext>
+    </p:extLst>
+  </p:cSld>
+  <p:clrMapOvr>
+    <a:masterClrMapping/>
+  </p:clrMapOvr>
+  <p:transition spd="med">
+    <p:pull/>
+  </p:transition>
+</p:sld>
+</file>
+
+<file path=ppt/slides/slide12.xml><?xml version="1.0" encoding="utf-8"?>
+<p:sld xmlns:a="http://schemas.openxmlformats.org/drawingml/2006/main" xmlns:r="http://schemas.openxmlformats.org/officeDocument/2006/relationships" xmlns:p="http://schemas.openxmlformats.org/presentationml/2006/main">
+  <p:cSld>
+    <p:spTree>
+      <p:nvGrpSpPr>
+        <p:cNvPr id="1" name=""/>
+        <p:cNvGrpSpPr/>
+        <p:nvPr/>
+      </p:nvGrpSpPr>
+      <p:grpSpPr>
+        <a:xfrm>
+          <a:off x="0" y="0"/>
+          <a:ext cx="0" cy="0"/>
+          <a:chOff x="0" y="0"/>
+          <a:chExt cx="0" cy="0"/>
+        </a:xfrm>
+      </p:grpSpPr>
+      <p:pic>
+        <p:nvPicPr>
+          <p:cNvPr id="3" name="Kép 2">
+            <a:extLst>
+              <a:ext uri="{FF2B5EF4-FFF2-40B4-BE49-F238E27FC236}">
+                <a16:creationId xmlns:a16="http://schemas.microsoft.com/office/drawing/2014/main" id="{6496C7FC-22B7-47F1-A711-E9B91313D407}"/>
+              </a:ext>
+            </a:extLst>
+          </p:cNvPr>
+          <p:cNvPicPr>
+            <a:picLocks noChangeAspect="1"/>
+          </p:cNvPicPr>
+          <p:nvPr/>
+        </p:nvPicPr>
+        <p:blipFill>
+          <a:blip r:embed="rId2">
+            <a:extLst>
+              <a:ext uri="{28A0092B-C50C-407E-A947-70E740481C1C}">
+                <a14:useLocalDpi xmlns:a14="http://schemas.microsoft.com/office/drawing/2010/main" val="0"/>
+              </a:ext>
+            </a:extLst>
+          </a:blip>
+          <a:stretch>
+            <a:fillRect/>
+          </a:stretch>
+        </p:blipFill>
+        <p:spPr>
+          <a:xfrm>
+            <a:off x="2960" y="0"/>
+            <a:ext cx="12186080" cy="6858000"/>
+          </a:xfrm>
+          <a:prstGeom prst="rect">
+            <a:avLst/>
+          </a:prstGeom>
+        </p:spPr>
+      </p:pic>
+    </p:spTree>
+    <p:extLst>
+      <p:ext uri="{BB962C8B-B14F-4D97-AF65-F5344CB8AC3E}">
+        <p14:creationId xmlns:p14="http://schemas.microsoft.com/office/powerpoint/2010/main" val="2088548792"/>
+      </p:ext>
+    </p:extLst>
+  </p:cSld>
+  <p:clrMapOvr>
+    <a:masterClrMapping/>
+  </p:clrMapOvr>
+  <p:transition spd="med">
+    <p:pull/>
+  </p:transition>
+</p:sld>
+</file>
+
+<file path=ppt/slides/slide13.xml><?xml version="1.0" encoding="utf-8"?>
+<p:sld xmlns:a="http://schemas.openxmlformats.org/drawingml/2006/main" xmlns:r="http://schemas.openxmlformats.org/officeDocument/2006/relationships" xmlns:p="http://schemas.openxmlformats.org/presentationml/2006/main">
+  <p:cSld>
+    <p:spTree>
+      <p:nvGrpSpPr>
+        <p:cNvPr id="1" name=""/>
+        <p:cNvGrpSpPr/>
+        <p:nvPr/>
+      </p:nvGrpSpPr>
+      <p:grpSpPr>
+        <a:xfrm>
+          <a:off x="0" y="0"/>
+          <a:ext cx="0" cy="0"/>
+          <a:chOff x="0" y="0"/>
+          <a:chExt cx="0" cy="0"/>
+        </a:xfrm>
+      </p:grpSpPr>
+      <p:pic>
+        <p:nvPicPr>
+          <p:cNvPr id="3" name="Kép 2">
+            <a:extLst>
+              <a:ext uri="{FF2B5EF4-FFF2-40B4-BE49-F238E27FC236}">
+                <a16:creationId xmlns:a16="http://schemas.microsoft.com/office/drawing/2014/main" id="{8ECFF0C3-696E-45AE-BC0A-8A604530BACD}"/>
+              </a:ext>
+            </a:extLst>
+          </p:cNvPr>
+          <p:cNvPicPr>
+            <a:picLocks noChangeAspect="1"/>
+          </p:cNvPicPr>
+          <p:nvPr/>
+        </p:nvPicPr>
+        <p:blipFill>
+          <a:blip r:embed="rId2">
+            <a:extLst>
+              <a:ext uri="{28A0092B-C50C-407E-A947-70E740481C1C}">
+                <a14:useLocalDpi xmlns:a14="http://schemas.microsoft.com/office/drawing/2010/main" val="0"/>
+              </a:ext>
+            </a:extLst>
+          </a:blip>
+          <a:stretch>
+            <a:fillRect/>
+          </a:stretch>
+        </p:blipFill>
+        <p:spPr>
+          <a:xfrm>
+            <a:off x="2960" y="0"/>
+            <a:ext cx="12186080" cy="6858000"/>
+          </a:xfrm>
+          <a:prstGeom prst="rect">
+            <a:avLst/>
+          </a:prstGeom>
+        </p:spPr>
+      </p:pic>
+    </p:spTree>
+    <p:extLst>
+      <p:ext uri="{BB962C8B-B14F-4D97-AF65-F5344CB8AC3E}">
+        <p14:creationId xmlns:p14="http://schemas.microsoft.com/office/powerpoint/2010/main" val="2132657592"/>
+      </p:ext>
+    </p:extLst>
+  </p:cSld>
+  <p:clrMapOvr>
+    <a:masterClrMapping/>
+  </p:clrMapOvr>
+  <p:transition spd="med">
+    <p:pull/>
+  </p:transition>
 </p:sld>
 </file>
 
@@ -7458,6 +7745,169 @@
     <p:extLst>
       <p:ext uri="{BB962C8B-B14F-4D97-AF65-F5344CB8AC3E}">
         <p14:creationId xmlns:p14="http://schemas.microsoft.com/office/powerpoint/2010/main" val="4227438787"/>
+      </p:ext>
+    </p:extLst>
+  </p:cSld>
+  <p:clrMapOvr>
+    <a:masterClrMapping/>
+  </p:clrMapOvr>
+  <p:transition spd="med">
+    <p:pull/>
+  </p:transition>
+</p:sld>
+</file>
+
+<file path=ppt/slides/slide8.xml><?xml version="1.0" encoding="utf-8"?>
+<p:sld xmlns:a="http://schemas.openxmlformats.org/drawingml/2006/main" xmlns:r="http://schemas.openxmlformats.org/officeDocument/2006/relationships" xmlns:p="http://schemas.openxmlformats.org/presentationml/2006/main">
+  <p:cSld>
+    <p:spTree>
+      <p:nvGrpSpPr>
+        <p:cNvPr id="1" name=""/>
+        <p:cNvGrpSpPr/>
+        <p:nvPr/>
+      </p:nvGrpSpPr>
+      <p:grpSpPr>
+        <a:xfrm>
+          <a:off x="0" y="0"/>
+          <a:ext cx="0" cy="0"/>
+          <a:chOff x="0" y="0"/>
+          <a:chExt cx="0" cy="0"/>
+        </a:xfrm>
+      </p:grpSpPr>
+      <p:sp>
+        <p:nvSpPr>
+          <p:cNvPr id="2" name="Cím 1">
+            <a:extLst>
+              <a:ext uri="{FF2B5EF4-FFF2-40B4-BE49-F238E27FC236}">
+                <a16:creationId xmlns:a16="http://schemas.microsoft.com/office/drawing/2014/main" id="{D4883FAE-4021-44C9-B2F8-CA043C8A817F}"/>
+              </a:ext>
+            </a:extLst>
+          </p:cNvPr>
+          <p:cNvSpPr>
+            <a:spLocks noGrp="1"/>
+          </p:cNvSpPr>
+          <p:nvPr>
+            <p:ph type="title"/>
+          </p:nvPr>
+        </p:nvSpPr>
+        <p:spPr/>
+        <p:txBody>
+          <a:bodyPr/>
+          <a:lstStyle/>
+          <a:p>
+            <a:endParaRPr lang="hu-HU"/>
+          </a:p>
+        </p:txBody>
+      </p:sp>
+      <p:pic>
+        <p:nvPicPr>
+          <p:cNvPr id="4" name="Kép 3">
+            <a:extLst>
+              <a:ext uri="{FF2B5EF4-FFF2-40B4-BE49-F238E27FC236}">
+                <a16:creationId xmlns:a16="http://schemas.microsoft.com/office/drawing/2014/main" id="{8499237E-4EB2-4DAC-BE2B-F94DA0DA5C1A}"/>
+              </a:ext>
+            </a:extLst>
+          </p:cNvPr>
+          <p:cNvPicPr>
+            <a:picLocks noChangeAspect="1"/>
+          </p:cNvPicPr>
+          <p:nvPr/>
+        </p:nvPicPr>
+        <p:blipFill>
+          <a:blip r:embed="rId2">
+            <a:extLst>
+              <a:ext uri="{28A0092B-C50C-407E-A947-70E740481C1C}">
+                <a14:useLocalDpi xmlns:a14="http://schemas.microsoft.com/office/drawing/2010/main" val="0"/>
+              </a:ext>
+            </a:extLst>
+          </a:blip>
+          <a:stretch>
+            <a:fillRect/>
+          </a:stretch>
+        </p:blipFill>
+        <p:spPr>
+          <a:xfrm>
+            <a:off x="2960" y="0"/>
+            <a:ext cx="12186080" cy="6858000"/>
+          </a:xfrm>
+          <a:prstGeom prst="rect">
+            <a:avLst/>
+          </a:prstGeom>
+        </p:spPr>
+      </p:pic>
+    </p:spTree>
+    <p:extLst>
+      <p:ext uri="{BB962C8B-B14F-4D97-AF65-F5344CB8AC3E}">
+        <p14:creationId xmlns:p14="http://schemas.microsoft.com/office/powerpoint/2010/main" val="1648747687"/>
+      </p:ext>
+    </p:extLst>
+  </p:cSld>
+  <p:clrMapOvr>
+    <a:masterClrMapping/>
+  </p:clrMapOvr>
+  <p:transition spd="med">
+    <p:pull/>
+  </p:transition>
+</p:sld>
+</file>
+
+<file path=ppt/slides/slide9.xml><?xml version="1.0" encoding="utf-8"?>
+<p:sld xmlns:a="http://schemas.openxmlformats.org/drawingml/2006/main" xmlns:r="http://schemas.openxmlformats.org/officeDocument/2006/relationships" xmlns:p="http://schemas.openxmlformats.org/presentationml/2006/main">
+  <p:cSld>
+    <p:spTree>
+      <p:nvGrpSpPr>
+        <p:cNvPr id="1" name=""/>
+        <p:cNvGrpSpPr/>
+        <p:nvPr/>
+      </p:nvGrpSpPr>
+      <p:grpSpPr>
+        <a:xfrm>
+          <a:off x="0" y="0"/>
+          <a:ext cx="0" cy="0"/>
+          <a:chOff x="0" y="0"/>
+          <a:chExt cx="0" cy="0"/>
+        </a:xfrm>
+      </p:grpSpPr>
+      <p:pic>
+        <p:nvPicPr>
+          <p:cNvPr id="3" name="Kép 2">
+            <a:extLst>
+              <a:ext uri="{FF2B5EF4-FFF2-40B4-BE49-F238E27FC236}">
+                <a16:creationId xmlns:a16="http://schemas.microsoft.com/office/drawing/2014/main" id="{9826E0CA-80E8-45C2-85CC-19AF7BA1771F}"/>
+              </a:ext>
+            </a:extLst>
+          </p:cNvPr>
+          <p:cNvPicPr>
+            <a:picLocks noChangeAspect="1"/>
+          </p:cNvPicPr>
+          <p:nvPr/>
+        </p:nvPicPr>
+        <p:blipFill>
+          <a:blip r:embed="rId2">
+            <a:extLst>
+              <a:ext uri="{28A0092B-C50C-407E-A947-70E740481C1C}">
+                <a14:useLocalDpi xmlns:a14="http://schemas.microsoft.com/office/drawing/2010/main" val="0"/>
+              </a:ext>
+            </a:extLst>
+          </a:blip>
+          <a:stretch>
+            <a:fillRect/>
+          </a:stretch>
+        </p:blipFill>
+        <p:spPr>
+          <a:xfrm>
+            <a:off x="2960" y="0"/>
+            <a:ext cx="12186080" cy="6858000"/>
+          </a:xfrm>
+          <a:prstGeom prst="rect">
+            <a:avLst/>
+          </a:prstGeom>
+        </p:spPr>
+      </p:pic>
+    </p:spTree>
+    <p:extLst>
+      <p:ext uri="{BB962C8B-B14F-4D97-AF65-F5344CB8AC3E}">
+        <p14:creationId xmlns:p14="http://schemas.microsoft.com/office/powerpoint/2010/main" val="2295696213"/>
       </p:ext>
     </p:extLst>
   </p:cSld>
